--- a/Slides/PSP-2.pptx
+++ b/Slides/PSP-2.pptx
@@ -11837,22 +11837,19 @@
               <a:rPr lang="en-US" sz="2000" dirty="0" smtClean="0">
                 <a:cs typeface="+mn-cs"/>
               </a:rPr>
+              <a:t>Budget spent ~every time you win a slice of an auction, need to reset/adjust periodically, to keep the bidders solvent</a:t>
+            </a:r>
+          </a:p>
+          <a:p>
+            <a:pPr lvl="2" eaLnBrk="1" hangingPunct="1">
+              <a:defRPr/>
+            </a:pPr>
+            <a:r>
+              <a:rPr lang="en-US" sz="2000" dirty="0" smtClean="0">
+                <a:cs typeface="+mn-cs"/>
+              </a:rPr>
               <a:t>Similar problem to allocating batch quota on shared farms?</a:t>
             </a:r>
-          </a:p>
-          <a:p>
-            <a:pPr lvl="2" eaLnBrk="1" hangingPunct="1">
-              <a:defRPr/>
-            </a:pPr>
-            <a:r>
-              <a:rPr lang="en-US" sz="2000" dirty="0" smtClean="0">
-                <a:cs typeface="+mn-cs"/>
-              </a:rPr>
-              <a:t>Budget spent ~every time you win a slice of an auction, need to reset/adjust periodically, to keep the bidders solvent</a:t>
-            </a:r>
-            <a:endParaRPr lang="en-US" sz="2000" dirty="0" smtClean="0">
-              <a:cs typeface="+mn-cs"/>
-            </a:endParaRPr>
           </a:p>
         </p:txBody>
       </p:sp>
@@ -12098,7 +12095,19 @@
               <a:rPr lang="en-US" sz="2400" dirty="0" smtClean="0">
                 <a:cs typeface="+mn-cs"/>
               </a:rPr>
-              <a:t>Ensure adjustment don’t destroy auction fairness</a:t>
+              <a:t>Budget adjustment </a:t>
+            </a:r>
+            <a:r>
+              <a:rPr lang="en-US" sz="2400" dirty="0" err="1" smtClean="0">
+                <a:cs typeface="+mn-cs"/>
+              </a:rPr>
+              <a:t>musn’t</a:t>
+            </a:r>
+            <a:r>
+              <a:rPr lang="en-US" sz="2400" dirty="0" smtClean="0">
+                <a:cs typeface="+mn-cs"/>
+              </a:rPr>
+              <a:t> destroy auction fairness</a:t>
             </a:r>
             <a:endParaRPr lang="en-US" sz="2400" dirty="0" smtClean="0">
               <a:cs typeface="+mn-cs"/>
@@ -12350,7 +12359,7 @@
               <a:rPr lang="en-US" sz="2000" dirty="0" smtClean="0">
                 <a:cs typeface="+mn-cs"/>
               </a:rPr>
-              <a:t>No offline negotiations between experiments &amp; network providers</a:t>
+              <a:t>No negotiations between experiments &amp; network providers</a:t>
             </a:r>
             <a:endParaRPr lang="en-US" sz="2000" dirty="0" smtClean="0">
               <a:cs typeface="+mn-cs"/>
@@ -12603,16 +12612,10 @@
               <a:defRPr/>
             </a:pPr>
             <a:r>
-              <a:rPr lang="en-US" sz="2400" smtClean="0">
-                <a:cs typeface="+mn-cs"/>
-              </a:rPr>
-              <a:t>Need </a:t>
-            </a:r>
-            <a:r>
               <a:rPr lang="en-US" sz="2400" dirty="0" smtClean="0">
                 <a:cs typeface="+mn-cs"/>
               </a:rPr>
-              <a:t>to understand how budget allocation interacts with bidding strategy to keep the auction truthful</a:t>
+              <a:t>Need to understand how budget allocation interacts with bidding strategy to keep the auction truthful</a:t>
             </a:r>
             <a:endParaRPr lang="en-US" sz="2400" dirty="0" smtClean="0">
               <a:cs typeface="+mn-cs"/>
@@ -13322,7 +13325,13 @@
               <a:rPr lang="en-US" sz="3600" dirty="0" smtClean="0">
                 <a:cs typeface="+mj-cs"/>
               </a:rPr>
-              <a:t>How?</a:t>
+              <a:t>Schedule, but h</a:t>
+            </a:r>
+            <a:r>
+              <a:rPr lang="en-US" sz="3600" dirty="0" smtClean="0">
+                <a:cs typeface="+mj-cs"/>
+              </a:rPr>
+              <a:t>ow?</a:t>
             </a:r>
             <a:endParaRPr lang="en-US" sz="3600" dirty="0" smtClean="0">
               <a:cs typeface="+mj-cs"/>
@@ -13691,6 +13700,17 @@
             </a:r>
           </a:p>
           <a:p>
+            <a:pPr lvl="1" eaLnBrk="1" hangingPunct="1">
+              <a:defRPr/>
+            </a:pPr>
+            <a:r>
+              <a:rPr lang="en-US" sz="2400" dirty="0" smtClean="0">
+                <a:cs typeface="+mn-cs"/>
+              </a:rPr>
+              <a:t>Participation not mandatory (casual or low-load users)</a:t>
+            </a:r>
+          </a:p>
+          <a:p>
             <a:pPr eaLnBrk="1" hangingPunct="1">
               <a:defRPr/>
             </a:pPr>
@@ -13698,7 +13718,13 @@
               <a:rPr lang="en-US" sz="2800" dirty="0" smtClean="0">
                 <a:cs typeface="+mn-cs"/>
               </a:rPr>
-              <a:t>Elastic, responsive</a:t>
+              <a:t>Elastic</a:t>
+            </a:r>
+            <a:r>
+              <a:rPr lang="en-US" sz="2800" dirty="0" smtClean="0">
+                <a:cs typeface="+mn-cs"/>
+              </a:rPr>
+              <a:t>, responsive</a:t>
             </a:r>
           </a:p>
           <a:p>
@@ -13746,35 +13772,6 @@
                 <a:cs typeface="+mn-cs"/>
               </a:rPr>
               <a:t>Allows maximal use of bandwidth at all times</a:t>
-            </a:r>
-          </a:p>
-          <a:p>
-            <a:pPr lvl="1" eaLnBrk="1" hangingPunct="1">
-              <a:defRPr/>
-            </a:pPr>
-            <a:r>
-              <a:rPr lang="en-US" sz="2400" dirty="0">
-                <a:cs typeface="+mn-cs"/>
-              </a:rPr>
-              <a:t>P</a:t>
-            </a:r>
-            <a:r>
-              <a:rPr lang="en-US" sz="2400" dirty="0" smtClean="0">
-                <a:cs typeface="+mn-cs"/>
-              </a:rPr>
-              <a:t>articipation not mandatory (casual </a:t>
-            </a:r>
-            <a:r>
-              <a:rPr lang="en-US" sz="2400" dirty="0">
-                <a:cs typeface="+mn-cs"/>
-              </a:rPr>
-              <a:t>o</a:t>
-            </a:r>
-            <a:r>
-              <a:rPr lang="en-US" sz="2400" dirty="0" smtClean="0">
-                <a:cs typeface="+mn-cs"/>
-              </a:rPr>
-              <a:t>r low-load users)</a:t>
             </a:r>
           </a:p>
           <a:p>

--- a/Slides/PSP-2.pptx
+++ b/Slides/PSP-2.pptx
@@ -1026,7 +1026,7 @@
               <a:pPr>
                 <a:defRPr/>
               </a:pPr>
-              <a:t>5-Apr-15</a:t>
+              <a:t>6-Apr-15</a:t>
             </a:fld>
             <a:endParaRPr lang="en-US"/>
           </a:p>
@@ -1246,7 +1246,7 @@
               <a:pPr>
                 <a:defRPr/>
               </a:pPr>
-              <a:t>5-Apr-15</a:t>
+              <a:t>6-Apr-15</a:t>
             </a:fld>
             <a:endParaRPr lang="en-US"/>
           </a:p>
@@ -1476,7 +1476,7 @@
               <a:pPr>
                 <a:defRPr/>
               </a:pPr>
-              <a:t>5-Apr-15</a:t>
+              <a:t>6-Apr-15</a:t>
             </a:fld>
             <a:endParaRPr lang="en-US"/>
           </a:p>
@@ -1696,7 +1696,7 @@
               <a:pPr>
                 <a:defRPr/>
               </a:pPr>
-              <a:t>5-Apr-15</a:t>
+              <a:t>6-Apr-15</a:t>
             </a:fld>
             <a:endParaRPr lang="en-US"/>
           </a:p>
@@ -1938,7 +1938,7 @@
               <a:pPr>
                 <a:defRPr/>
               </a:pPr>
-              <a:t>5-Apr-15</a:t>
+              <a:t>6-Apr-15</a:t>
             </a:fld>
             <a:endParaRPr lang="en-US"/>
           </a:p>
@@ -2276,7 +2276,7 @@
               <a:pPr>
                 <a:defRPr/>
               </a:pPr>
-              <a:t>5-Apr-15</a:t>
+              <a:t>6-Apr-15</a:t>
             </a:fld>
             <a:endParaRPr lang="en-US"/>
           </a:p>
@@ -2753,7 +2753,7 @@
               <a:pPr>
                 <a:defRPr/>
               </a:pPr>
-              <a:t>5-Apr-15</a:t>
+              <a:t>6-Apr-15</a:t>
             </a:fld>
             <a:endParaRPr lang="en-US"/>
           </a:p>
@@ -2921,7 +2921,7 @@
               <a:pPr>
                 <a:defRPr/>
               </a:pPr>
-              <a:t>5-Apr-15</a:t>
+              <a:t>6-Apr-15</a:t>
             </a:fld>
             <a:endParaRPr lang="en-US"/>
           </a:p>
@@ -3066,7 +3066,7 @@
               <a:pPr>
                 <a:defRPr/>
               </a:pPr>
-              <a:t>5-Apr-15</a:t>
+              <a:t>6-Apr-15</a:t>
             </a:fld>
             <a:endParaRPr lang="en-US"/>
           </a:p>
@@ -3393,7 +3393,7 @@
               <a:pPr>
                 <a:defRPr/>
               </a:pPr>
-              <a:t>5-Apr-15</a:t>
+              <a:t>6-Apr-15</a:t>
             </a:fld>
             <a:endParaRPr lang="en-US"/>
           </a:p>
@@ -3697,7 +3697,7 @@
               <a:pPr>
                 <a:defRPr/>
               </a:pPr>
-              <a:t>5-Apr-15</a:t>
+              <a:t>6-Apr-15</a:t>
             </a:fld>
             <a:endParaRPr lang="en-US"/>
           </a:p>
@@ -4649,7 +4649,7 @@
             <a:fld id="{309374CF-A7C3-A64A-BD4F-6DAC5F0C8202}" type="datetime5">
               <a:rPr lang="en-GB"/>
               <a:pPr eaLnBrk="1" hangingPunct="1"/>
-              <a:t>5-Apr-15</a:t>
+              <a:t>6-Apr-15</a:t>
             </a:fld>
             <a:endParaRPr lang="en-US"/>
           </a:p>
@@ -11480,17 +11480,8 @@
               <a:rPr lang="en-US" sz="3600" dirty="0" smtClean="0">
                 <a:cs typeface="+mj-cs"/>
               </a:rPr>
-              <a:t>PSP on </a:t>
-            </a:r>
-            <a:r>
-              <a:rPr lang="en-US" sz="3600" dirty="0" smtClean="0">
-                <a:cs typeface="+mj-cs"/>
-              </a:rPr>
-              <a:t>LHCONE?</a:t>
-            </a:r>
-            <a:endParaRPr lang="en-US" sz="3600" dirty="0" smtClean="0">
-              <a:cs typeface="+mj-cs"/>
-            </a:endParaRPr>
+              <a:t>PSP on LHCONE?</a:t>
+            </a:r>
           </a:p>
         </p:txBody>
       </p:sp>
@@ -11576,39 +11567,30 @@
               <a:rPr lang="en-US" sz="2400" dirty="0" smtClean="0">
                 <a:cs typeface="+mn-cs"/>
               </a:rPr>
-              <a:t>Can show that it still converges if bidders are </a:t>
-            </a:r>
+              <a:t>Can show that it still converges if bidders are rational</a:t>
+            </a:r>
+          </a:p>
+          <a:p>
+            <a:pPr eaLnBrk="1" hangingPunct="1">
+              <a:defRPr/>
+            </a:pPr>
+            <a:r>
+              <a:rPr lang="en-US" sz="2800" dirty="0" smtClean="0">
+                <a:cs typeface="+mn-cs"/>
+              </a:rPr>
+              <a:t>Repeat auction whenever conditions change</a:t>
+            </a:r>
+          </a:p>
+          <a:p>
+            <a:pPr lvl="1" eaLnBrk="1" hangingPunct="1">
+              <a:defRPr/>
+            </a:pPr>
             <a:r>
               <a:rPr lang="en-US" sz="2400" dirty="0" smtClean="0">
                 <a:cs typeface="+mn-cs"/>
               </a:rPr>
-              <a:t>rational</a:t>
-            </a:r>
-          </a:p>
-          <a:p>
-            <a:pPr eaLnBrk="1" hangingPunct="1">
-              <a:defRPr/>
-            </a:pPr>
-            <a:r>
-              <a:rPr lang="en-US" sz="2800" dirty="0" smtClean="0">
-                <a:cs typeface="+mn-cs"/>
-              </a:rPr>
-              <a:t>Repeat auction whenever conditions change</a:t>
-            </a:r>
-          </a:p>
-          <a:p>
-            <a:pPr lvl="1" eaLnBrk="1" hangingPunct="1">
-              <a:defRPr/>
-            </a:pPr>
-            <a:r>
-              <a:rPr lang="en-US" sz="2400" dirty="0" smtClean="0">
-                <a:cs typeface="+mn-cs"/>
-              </a:rPr>
               <a:t>After some ‘lease-time’, to prevent chaos - ~1 hour?</a:t>
             </a:r>
-            <a:endParaRPr lang="en-US" sz="2400" dirty="0" smtClean="0">
-              <a:cs typeface="+mn-cs"/>
-            </a:endParaRPr>
           </a:p>
           <a:p>
             <a:pPr lvl="1" eaLnBrk="1" hangingPunct="1">
@@ -11715,9 +11697,6 @@
               </a:rPr>
               <a:t>Practicalities: budgets…</a:t>
             </a:r>
-            <a:endParaRPr lang="en-US" sz="3600" dirty="0" smtClean="0">
-              <a:cs typeface="+mj-cs"/>
-            </a:endParaRPr>
           </a:p>
         </p:txBody>
       </p:sp>
@@ -11781,17 +11760,8 @@
               <a:rPr lang="en-US" sz="2800" dirty="0" smtClean="0">
                 <a:cs typeface="+mn-cs"/>
               </a:rPr>
-              <a:t>LHCONE, HEP </a:t>
-            </a:r>
-            <a:r>
-              <a:rPr lang="en-US" sz="2800" dirty="0" smtClean="0">
-                <a:cs typeface="+mn-cs"/>
-              </a:rPr>
-              <a:t>experiments, fake budget</a:t>
-            </a:r>
-            <a:endParaRPr lang="en-US" sz="2800" dirty="0" smtClean="0">
-              <a:cs typeface="+mn-cs"/>
-            </a:endParaRPr>
+              <a:t>LHCONE, HEP experiments, fake budget</a:t>
+            </a:r>
           </a:p>
           <a:p>
             <a:pPr lvl="1" eaLnBrk="1" hangingPunct="1">
@@ -11814,9 +11784,6 @@
               </a:rPr>
               <a:t>Must have just enough to express needs coherently</a:t>
             </a:r>
-            <a:endParaRPr lang="en-US" sz="2000" dirty="0" smtClean="0">
-              <a:cs typeface="+mn-cs"/>
-            </a:endParaRPr>
           </a:p>
           <a:p>
             <a:pPr lvl="1" eaLnBrk="1" hangingPunct="1">
@@ -12011,13 +11978,29 @@
               <a:rPr lang="en-US" sz="2800" dirty="0" smtClean="0">
                 <a:cs typeface="+mn-cs"/>
               </a:rPr>
-              <a:t>Carry</a:t>
-            </a:r>
+              <a:t>Carry-over of unspent budget?</a:t>
+            </a:r>
+          </a:p>
+          <a:p>
+            <a:pPr lvl="1" eaLnBrk="1" hangingPunct="1">
+              <a:defRPr/>
+            </a:pPr>
+            <a:r>
+              <a:rPr lang="en-US" sz="2400" dirty="0" smtClean="0">
+                <a:cs typeface="+mn-cs"/>
+              </a:rPr>
+              <a:t>Budget-hoarding =&gt; undesirable/‘unfair’ outcomes</a:t>
+            </a:r>
+          </a:p>
+          <a:p>
+            <a:pPr eaLnBrk="1" hangingPunct="1">
+              <a:defRPr/>
+            </a:pPr>
             <a:r>
               <a:rPr lang="en-US" sz="2800" dirty="0" smtClean="0">
                 <a:cs typeface="+mn-cs"/>
               </a:rPr>
-              <a:t>-over of unspent budget?</a:t>
+              <a:t>Excess budget</a:t>
             </a:r>
           </a:p>
           <a:p>
@@ -12028,7 +12011,18 @@
               <a:rPr lang="en-US" sz="2400" dirty="0" smtClean="0">
                 <a:cs typeface="+mn-cs"/>
               </a:rPr>
-              <a:t>Budget-hoarding =&gt; undesirable/‘unfair’ outcomes</a:t>
+              <a:t>Blocking tactics, bidding for a link you don’t need</a:t>
+            </a:r>
+          </a:p>
+          <a:p>
+            <a:pPr lvl="1" eaLnBrk="1" hangingPunct="1">
+              <a:defRPr/>
+            </a:pPr>
+            <a:r>
+              <a:rPr lang="en-US" sz="2400" dirty="0" smtClean="0">
+                <a:cs typeface="+mn-cs"/>
+              </a:rPr>
+              <a:t>Some way to penalize for under-used circuits?</a:t>
             </a:r>
           </a:p>
           <a:p>
@@ -12039,13 +12033,7 @@
               <a:rPr lang="en-US" sz="2800" dirty="0" smtClean="0">
                 <a:cs typeface="+mn-cs"/>
               </a:rPr>
-              <a:t>Excess </a:t>
-            </a:r>
-            <a:r>
-              <a:rPr lang="en-US" sz="2800" dirty="0" smtClean="0">
-                <a:cs typeface="+mn-cs"/>
-              </a:rPr>
-              <a:t>budget</a:t>
+              <a:t>Needs simulation, with various bidding strategies</a:t>
             </a:r>
           </a:p>
           <a:p>
@@ -12056,62 +12044,20 @@
               <a:rPr lang="en-US" sz="2400" dirty="0" smtClean="0">
                 <a:cs typeface="+mn-cs"/>
               </a:rPr>
-              <a:t>Blocking tactics, bidding for a link you don’t need</a:t>
-            </a:r>
-          </a:p>
-          <a:p>
-            <a:pPr lvl="1" eaLnBrk="1" hangingPunct="1">
-              <a:defRPr/>
-            </a:pPr>
+              <a:t>Budget adjustment </a:t>
+            </a:r>
             <a:r>
               <a:rPr lang="en-US" sz="2400" dirty="0" smtClean="0">
                 <a:cs typeface="+mn-cs"/>
               </a:rPr>
-              <a:t>Some way to penalize for under-used circuits</a:t>
+              <a:t>must not </a:t>
             </a:r>
             <a:r>
               <a:rPr lang="en-US" sz="2400" dirty="0" smtClean="0">
                 <a:cs typeface="+mn-cs"/>
               </a:rPr>
-              <a:t>?</a:t>
-            </a:r>
-          </a:p>
-          <a:p>
-            <a:pPr eaLnBrk="1" hangingPunct="1">
-              <a:defRPr/>
-            </a:pPr>
-            <a:r>
-              <a:rPr lang="en-US" sz="2800" dirty="0" smtClean="0">
-                <a:cs typeface="+mn-cs"/>
-              </a:rPr>
-              <a:t>Needs simulation, with various bidding strategies</a:t>
-            </a:r>
-          </a:p>
-          <a:p>
-            <a:pPr lvl="1" eaLnBrk="1" hangingPunct="1">
-              <a:defRPr/>
-            </a:pPr>
-            <a:r>
-              <a:rPr lang="en-US" sz="2400" dirty="0" smtClean="0">
-                <a:cs typeface="+mn-cs"/>
-              </a:rPr>
-              <a:t>Budget adjustment </a:t>
-            </a:r>
-            <a:r>
-              <a:rPr lang="en-US" sz="2400" dirty="0" err="1" smtClean="0">
-                <a:cs typeface="+mn-cs"/>
-              </a:rPr>
-              <a:t>musn’t</a:t>
-            </a:r>
-            <a:r>
-              <a:rPr lang="en-US" sz="2400" dirty="0" smtClean="0">
-                <a:cs typeface="+mn-cs"/>
-              </a:rPr>
-              <a:t> destroy auction fairness</a:t>
-            </a:r>
-            <a:endParaRPr lang="en-US" sz="2400" dirty="0" smtClean="0">
-              <a:cs typeface="+mn-cs"/>
-            </a:endParaRPr>
+              <a:t>destroy auction fairness</a:t>
+            </a:r>
           </a:p>
         </p:txBody>
       </p:sp>
@@ -12208,13 +12154,7 @@
               <a:rPr lang="en-US" sz="3600" dirty="0" smtClean="0">
                 <a:cs typeface="+mj-cs"/>
               </a:rPr>
-              <a:t>Conclusion: </a:t>
-            </a:r>
-            <a:r>
-              <a:rPr lang="en-US" sz="3600" dirty="0" smtClean="0">
-                <a:cs typeface="+mj-cs"/>
-              </a:rPr>
-              <a:t>principles</a:t>
+              <a:t>Conclusion: principles</a:t>
             </a:r>
           </a:p>
         </p:txBody>
@@ -12246,43 +12186,19 @@
               <a:rPr lang="en-US" sz="2800" dirty="0" smtClean="0">
                 <a:cs typeface="+mn-cs"/>
               </a:rPr>
-              <a:t>Bandwidth</a:t>
-            </a:r>
+              <a:t>Bandwidth-allocation at LHCONE requires a mechanism which is fair, efficient, lightweight, responsive and automatic</a:t>
+            </a:r>
+            <a:endParaRPr lang="en-US" sz="2800" dirty="0" smtClean="0"/>
+          </a:p>
+          <a:p>
+            <a:pPr eaLnBrk="1" hangingPunct="1">
+              <a:defRPr/>
+            </a:pPr>
             <a:r>
               <a:rPr lang="en-US" sz="2800" dirty="0" smtClean="0">
                 <a:cs typeface="+mn-cs"/>
               </a:rPr>
-              <a:t>-allocation at </a:t>
-            </a:r>
-            <a:r>
-              <a:rPr lang="en-US" sz="2800" dirty="0" smtClean="0">
-                <a:cs typeface="+mn-cs"/>
-              </a:rPr>
-              <a:t>LHCONE requires a mechanism </a:t>
-            </a:r>
-            <a:r>
-              <a:rPr lang="en-US" sz="2800" dirty="0" smtClean="0">
-                <a:cs typeface="+mn-cs"/>
-              </a:rPr>
-              <a:t>which is fair, efficient, lightweight, responsive and automatic</a:t>
-            </a:r>
-            <a:endParaRPr lang="en-US" sz="2800" dirty="0" smtClean="0"/>
-          </a:p>
-          <a:p>
-            <a:pPr eaLnBrk="1" hangingPunct="1">
-              <a:defRPr/>
-            </a:pPr>
-            <a:r>
-              <a:rPr lang="en-US" sz="2800" dirty="0" smtClean="0">
-                <a:cs typeface="+mn-cs"/>
-              </a:rPr>
-              <a:t>The </a:t>
-            </a:r>
-            <a:r>
-              <a:rPr lang="en-US" sz="2800" dirty="0" smtClean="0">
-                <a:cs typeface="+mn-cs"/>
-              </a:rPr>
-              <a:t>Progressive Second-Price auction offers this</a:t>
+              <a:t>The Progressive Second-Price auction offers this</a:t>
             </a:r>
           </a:p>
           <a:p>
@@ -12293,29 +12209,30 @@
               <a:rPr lang="en-US" sz="2400" dirty="0" smtClean="0">
                 <a:cs typeface="+mn-cs"/>
               </a:rPr>
-              <a:t>Users negotiate </a:t>
-            </a:r>
+              <a:t>Users negotiate among themselves how much bandwidth they should get</a:t>
+            </a:r>
+          </a:p>
+          <a:p>
+            <a:pPr lvl="2" eaLnBrk="1" hangingPunct="1">
+              <a:defRPr/>
+            </a:pPr>
+            <a:r>
+              <a:rPr lang="en-US" sz="2000" dirty="0" smtClean="0">
+                <a:cs typeface="+mn-cs"/>
+              </a:rPr>
+              <a:t>Repeat auction as needed, follow fluctuations automatically</a:t>
+            </a:r>
+          </a:p>
+          <a:p>
+            <a:pPr lvl="1" eaLnBrk="1" hangingPunct="1">
+              <a:defRPr/>
+            </a:pPr>
             <a:r>
               <a:rPr lang="en-US" sz="2400" dirty="0" smtClean="0">
                 <a:cs typeface="+mn-cs"/>
               </a:rPr>
-              <a:t>among themselves how </a:t>
-            </a:r>
-            <a:r>
-              <a:rPr lang="en-US" sz="2400" dirty="0" smtClean="0">
-                <a:cs typeface="+mn-cs"/>
-              </a:rPr>
-              <a:t>much bandwidth they should </a:t>
-            </a:r>
-            <a:r>
-              <a:rPr lang="en-US" sz="2400" dirty="0" smtClean="0">
-                <a:cs typeface="+mn-cs"/>
-              </a:rPr>
-              <a:t>get</a:t>
-            </a:r>
-            <a:endParaRPr lang="en-US" sz="2400" dirty="0" smtClean="0">
-              <a:cs typeface="+mn-cs"/>
-            </a:endParaRPr>
+              <a:t>Network providers get clear statement of what users want at any point in time</a:t>
+            </a:r>
           </a:p>
           <a:p>
             <a:pPr lvl="2" eaLnBrk="1" hangingPunct="1">
@@ -12325,45 +12242,8 @@
               <a:rPr lang="en-US" sz="2000" dirty="0" smtClean="0">
                 <a:cs typeface="+mn-cs"/>
               </a:rPr>
-              <a:t>Repeat auction as needed, follow fluctuations automatically</a:t>
-            </a:r>
-          </a:p>
-          <a:p>
-            <a:pPr lvl="1" eaLnBrk="1" hangingPunct="1">
-              <a:defRPr/>
-            </a:pPr>
-            <a:r>
-              <a:rPr lang="en-US" sz="2400" dirty="0" smtClean="0">
-                <a:cs typeface="+mn-cs"/>
-              </a:rPr>
-              <a:t>Network </a:t>
-            </a:r>
-            <a:r>
-              <a:rPr lang="en-US" sz="2400" dirty="0" smtClean="0">
-                <a:cs typeface="+mn-cs"/>
-              </a:rPr>
-              <a:t>providers get clear statement of what users want at any point in </a:t>
-            </a:r>
-            <a:r>
-              <a:rPr lang="en-US" sz="2400" dirty="0" smtClean="0">
-                <a:cs typeface="+mn-cs"/>
-              </a:rPr>
-              <a:t>time</a:t>
-            </a:r>
-          </a:p>
-          <a:p>
-            <a:pPr lvl="2" eaLnBrk="1" hangingPunct="1">
-              <a:defRPr/>
-            </a:pPr>
-            <a:r>
-              <a:rPr lang="en-US" sz="2000" dirty="0" smtClean="0">
-                <a:cs typeface="+mn-cs"/>
-              </a:rPr>
               <a:t>No negotiations between experiments &amp; network providers</a:t>
             </a:r>
-            <a:endParaRPr lang="en-US" sz="2000" dirty="0" smtClean="0">
-              <a:cs typeface="+mn-cs"/>
-            </a:endParaRPr>
           </a:p>
         </p:txBody>
       </p:sp>
@@ -12460,13 +12340,7 @@
               <a:rPr lang="en-US" sz="3600" dirty="0" smtClean="0">
                 <a:cs typeface="+mj-cs"/>
               </a:rPr>
-              <a:t>Conclusion: </a:t>
-            </a:r>
-            <a:r>
-              <a:rPr lang="en-US" sz="3600" dirty="0" smtClean="0">
-                <a:cs typeface="+mj-cs"/>
-              </a:rPr>
-              <a:t>practicalities</a:t>
+              <a:t>Conclusion: practicalities</a:t>
             </a:r>
           </a:p>
         </p:txBody>
@@ -12498,13 +12372,7 @@
               <a:rPr lang="en-US" sz="2800" dirty="0" smtClean="0">
                 <a:cs typeface="+mn-cs"/>
               </a:rPr>
-              <a:t>Fake </a:t>
-            </a:r>
-            <a:r>
-              <a:rPr lang="en-US" sz="2800" dirty="0" smtClean="0">
-                <a:cs typeface="+mn-cs"/>
-              </a:rPr>
-              <a:t>budget complicates things</a:t>
+              <a:t>Fake budget complicates things</a:t>
             </a:r>
           </a:p>
           <a:p>
@@ -12526,28 +12394,19 @@
               <a:rPr lang="en-US" sz="2400" dirty="0" smtClean="0">
                 <a:cs typeface="+mn-cs"/>
               </a:rPr>
-              <a:t>Similarities to batch quotas</a:t>
-            </a:r>
+              <a:t>Similarities to batch quotas?</a:t>
+            </a:r>
+          </a:p>
+          <a:p>
+            <a:pPr lvl="1" eaLnBrk="1" hangingPunct="1">
+              <a:defRPr/>
+            </a:pPr>
             <a:r>
               <a:rPr lang="en-US" sz="2400" dirty="0" smtClean="0">
                 <a:cs typeface="+mn-cs"/>
               </a:rPr>
-              <a:t>?</a:t>
-            </a:r>
-          </a:p>
-          <a:p>
-            <a:pPr lvl="1" eaLnBrk="1" hangingPunct="1">
-              <a:defRPr/>
-            </a:pPr>
-            <a:r>
-              <a:rPr lang="en-US" sz="2400" dirty="0" smtClean="0">
-                <a:cs typeface="+mn-cs"/>
-              </a:rPr>
               <a:t>(can we just charge real money instead?)</a:t>
             </a:r>
-            <a:endParaRPr lang="en-US" sz="2400" dirty="0" smtClean="0">
-              <a:cs typeface="+mn-cs"/>
-            </a:endParaRPr>
           </a:p>
           <a:p>
             <a:pPr eaLnBrk="1" hangingPunct="1">
@@ -12592,34 +12451,19 @@
               <a:rPr lang="en-US" sz="2400" dirty="0" smtClean="0">
                 <a:cs typeface="+mn-cs"/>
               </a:rPr>
-              <a:t> </a:t>
-            </a:r>
+              <a:t> in repeat auctions</a:t>
+            </a:r>
+          </a:p>
+          <a:p>
+            <a:pPr lvl="1" eaLnBrk="1" hangingPunct="1">
+              <a:defRPr/>
+            </a:pPr>
             <a:r>
               <a:rPr lang="en-US" sz="2400" dirty="0" smtClean="0">
                 <a:cs typeface="+mn-cs"/>
               </a:rPr>
-              <a:t>in repeat </a:t>
-            </a:r>
-            <a:r>
-              <a:rPr lang="en-US" sz="2400" dirty="0" smtClean="0">
-                <a:cs typeface="+mn-cs"/>
-              </a:rPr>
-              <a:t>auctions</a:t>
-            </a:r>
-          </a:p>
-          <a:p>
-            <a:pPr lvl="1" eaLnBrk="1" hangingPunct="1">
-              <a:defRPr/>
-            </a:pPr>
-            <a:r>
-              <a:rPr lang="en-US" sz="2400" dirty="0" smtClean="0">
-                <a:cs typeface="+mn-cs"/>
-              </a:rPr>
               <a:t>Need to understand how budget allocation interacts with bidding strategy to keep the auction truthful</a:t>
             </a:r>
-            <a:endParaRPr lang="en-US" sz="2400" dirty="0" smtClean="0">
-              <a:cs typeface="+mn-cs"/>
-            </a:endParaRPr>
           </a:p>
         </p:txBody>
       </p:sp>
@@ -12716,17 +12560,8 @@
               <a:rPr lang="en-US" sz="3600" dirty="0" smtClean="0">
                 <a:cs typeface="+mj-cs"/>
               </a:rPr>
-              <a:t>Run-2 </a:t>
-            </a:r>
-            <a:r>
-              <a:rPr lang="en-US" sz="3600" dirty="0" smtClean="0">
-                <a:cs typeface="+mj-cs"/>
-              </a:rPr>
-              <a:t>vs. Run-1</a:t>
-            </a:r>
-            <a:endParaRPr lang="en-US" sz="3600" dirty="0" smtClean="0">
-              <a:cs typeface="+mj-cs"/>
-            </a:endParaRPr>
+              <a:t>Run-2 vs. Run-1</a:t>
+            </a:r>
           </a:p>
         </p:txBody>
       </p:sp>
@@ -12971,9 +12806,6 @@
               </a:rPr>
               <a:t>Scheduling the network</a:t>
             </a:r>
-            <a:endParaRPr lang="en-US" sz="3600" dirty="0" smtClean="0">
-              <a:cs typeface="+mj-cs"/>
-            </a:endParaRPr>
           </a:p>
         </p:txBody>
       </p:sp>
@@ -13071,19 +12903,7 @@
               <a:rPr lang="en-US" sz="2400" dirty="0" smtClean="0">
                 <a:cs typeface="+mn-cs"/>
               </a:rPr>
-              <a:t>Broader range of resource-types (opportunistic, cloud, volunteer) with different </a:t>
-            </a:r>
-            <a:r>
-              <a:rPr lang="en-US" sz="2400" dirty="0" smtClean="0">
-                <a:cs typeface="+mn-cs"/>
-              </a:rPr>
-              <a:t>storage &amp; I/O </a:t>
-            </a:r>
-            <a:r>
-              <a:rPr lang="en-US" sz="2400" dirty="0" smtClean="0">
-                <a:cs typeface="+mn-cs"/>
-              </a:rPr>
-              <a:t>characteristics</a:t>
+              <a:t>Broader range of resource-types (opportunistic, cloud, volunteer) with different storage &amp; I/O characteristics</a:t>
             </a:r>
             <a:endParaRPr lang="en-US" sz="2400" dirty="0">
               <a:cs typeface="+mn-cs"/>
@@ -13325,17 +13145,8 @@
               <a:rPr lang="en-US" sz="3600" dirty="0" smtClean="0">
                 <a:cs typeface="+mj-cs"/>
               </a:rPr>
-              <a:t>Schedule, but h</a:t>
-            </a:r>
-            <a:r>
-              <a:rPr lang="en-US" sz="3600" dirty="0" smtClean="0">
-                <a:cs typeface="+mj-cs"/>
-              </a:rPr>
-              <a:t>ow?</a:t>
-            </a:r>
-            <a:endParaRPr lang="en-US" sz="3600" dirty="0" smtClean="0">
-              <a:cs typeface="+mj-cs"/>
-            </a:endParaRPr>
+              <a:t>Schedule, but how?</a:t>
+            </a:r>
           </a:p>
         </p:txBody>
       </p:sp>
@@ -13399,13 +13210,51 @@
               <a:rPr lang="en-US" sz="2800" dirty="0" smtClean="0">
                 <a:cs typeface="+mn-cs"/>
               </a:rPr>
-              <a:t>Candidate </a:t>
-            </a:r>
+              <a:t>Candidate technologies, won’t discuss here</a:t>
+            </a:r>
+          </a:p>
+          <a:p>
+            <a:pPr lvl="1" eaLnBrk="1" hangingPunct="1">
+              <a:defRPr/>
+            </a:pPr>
+            <a:r>
+              <a:rPr lang="en-US" sz="2400" dirty="0" smtClean="0">
+                <a:cs typeface="+mn-cs"/>
+              </a:rPr>
+              <a:t>Virtual circuits, multi-path flows</a:t>
+            </a:r>
+          </a:p>
+          <a:p>
+            <a:pPr lvl="1" eaLnBrk="1" hangingPunct="1">
+              <a:defRPr/>
+            </a:pPr>
+            <a:r>
+              <a:rPr lang="en-US" sz="2400" dirty="0" smtClean="0">
+                <a:cs typeface="+mn-cs"/>
+              </a:rPr>
+              <a:t>Bandwidth guarantees can be hard or soft</a:t>
+            </a:r>
+          </a:p>
+          <a:p>
+            <a:pPr lvl="1" eaLnBrk="1" hangingPunct="1">
+              <a:defRPr/>
+            </a:pPr>
+            <a:r>
+              <a:rPr lang="en-US" sz="2400" dirty="0" smtClean="0">
+                <a:cs typeface="+mn-cs"/>
+              </a:rPr>
+              <a:t>Networking groups are making progress towards a technical solution</a:t>
+            </a:r>
+          </a:p>
+          <a:p>
+            <a:pPr eaLnBrk="1" hangingPunct="1">
+              <a:defRPr/>
+            </a:pPr>
             <a:r>
               <a:rPr lang="en-US" sz="2800" dirty="0" smtClean="0">
                 <a:cs typeface="+mn-cs"/>
               </a:rPr>
-              <a:t>technologies, won’t discuss here</a:t>
+              <a:t>Then you get a new problem: oversubscription</a:t>
             </a:r>
           </a:p>
           <a:p>
@@ -13416,107 +13265,6 @@
               <a:rPr lang="en-US" sz="2400" dirty="0" smtClean="0">
                 <a:cs typeface="+mn-cs"/>
               </a:rPr>
-              <a:t>Virtual </a:t>
-            </a:r>
-            <a:r>
-              <a:rPr lang="en-US" sz="2400" dirty="0" smtClean="0">
-                <a:cs typeface="+mn-cs"/>
-              </a:rPr>
-              <a:t>circuits, multi-path flows</a:t>
-            </a:r>
-          </a:p>
-          <a:p>
-            <a:pPr lvl="1" eaLnBrk="1" hangingPunct="1">
-              <a:defRPr/>
-            </a:pPr>
-            <a:r>
-              <a:rPr lang="en-US" sz="2400" dirty="0" smtClean="0">
-                <a:cs typeface="+mn-cs"/>
-              </a:rPr>
-              <a:t>Bandwidth guarantees can be hard or soft</a:t>
-            </a:r>
-          </a:p>
-          <a:p>
-            <a:pPr lvl="1" eaLnBrk="1" hangingPunct="1">
-              <a:defRPr/>
-            </a:pPr>
-            <a:r>
-              <a:rPr lang="en-US" sz="2400" dirty="0" smtClean="0">
-                <a:cs typeface="+mn-cs"/>
-              </a:rPr>
-              <a:t>Networking groups </a:t>
-            </a:r>
-            <a:r>
-              <a:rPr lang="en-US" sz="2400" dirty="0" smtClean="0">
-                <a:cs typeface="+mn-cs"/>
-              </a:rPr>
-              <a:t>are making progress </a:t>
-            </a:r>
-            <a:r>
-              <a:rPr lang="en-US" sz="2400" dirty="0" smtClean="0">
-                <a:cs typeface="+mn-cs"/>
-              </a:rPr>
-              <a:t>towards </a:t>
-            </a:r>
-            <a:r>
-              <a:rPr lang="en-US" sz="2400" dirty="0" smtClean="0">
-                <a:cs typeface="+mn-cs"/>
-              </a:rPr>
-              <a:t>a technical </a:t>
-            </a:r>
-            <a:r>
-              <a:rPr lang="en-US" sz="2400" dirty="0" smtClean="0">
-                <a:cs typeface="+mn-cs"/>
-              </a:rPr>
-              <a:t>solution</a:t>
-            </a:r>
-          </a:p>
-          <a:p>
-            <a:pPr eaLnBrk="1" hangingPunct="1">
-              <a:defRPr/>
-            </a:pPr>
-            <a:r>
-              <a:rPr lang="en-US" sz="2800" dirty="0" smtClean="0">
-                <a:cs typeface="+mn-cs"/>
-              </a:rPr>
-              <a:t>Then </a:t>
-            </a:r>
-            <a:r>
-              <a:rPr lang="en-US" sz="2800" dirty="0" smtClean="0">
-                <a:cs typeface="+mn-cs"/>
-              </a:rPr>
-              <a:t>you </a:t>
-            </a:r>
-            <a:r>
-              <a:rPr lang="en-US" sz="2800" dirty="0" smtClean="0">
-                <a:cs typeface="+mn-cs"/>
-              </a:rPr>
-              <a:t>get a new </a:t>
-            </a:r>
-            <a:r>
-              <a:rPr lang="en-US" sz="2800" dirty="0" smtClean="0">
-                <a:cs typeface="+mn-cs"/>
-              </a:rPr>
-              <a:t>problem</a:t>
-            </a:r>
-            <a:r>
-              <a:rPr lang="en-US" sz="2800" dirty="0" smtClean="0">
-                <a:cs typeface="+mn-cs"/>
-              </a:rPr>
-              <a:t>: oversubscription</a:t>
-            </a:r>
-            <a:endParaRPr lang="en-US" sz="2800" dirty="0" smtClean="0">
-              <a:cs typeface="+mn-cs"/>
-            </a:endParaRPr>
-          </a:p>
-          <a:p>
-            <a:pPr lvl="1" eaLnBrk="1" hangingPunct="1">
-              <a:defRPr/>
-            </a:pPr>
-            <a:r>
-              <a:rPr lang="en-US" sz="2400" dirty="0" smtClean="0">
-                <a:cs typeface="+mn-cs"/>
-              </a:rPr>
               <a:t>Common to all successful middleware:</a:t>
             </a:r>
           </a:p>
@@ -13528,23 +13276,8 @@
               <a:rPr lang="en-US" sz="2000" dirty="0" smtClean="0">
                 <a:cs typeface="+mn-cs"/>
               </a:rPr>
-              <a:t>phase 1: make it possible, </a:t>
-            </a:r>
-            <a:r>
-              <a:rPr lang="en-US" sz="2000" dirty="0" smtClean="0">
-                <a:cs typeface="+mn-cs"/>
-              </a:rPr>
-              <a:t>phase 2: stop users abusing it</a:t>
-            </a:r>
-            <a:r>
-              <a:rPr lang="en-US" sz="2000" dirty="0" smtClean="0">
-                <a:cs typeface="+mn-cs"/>
-              </a:rPr>
-              <a:t>!</a:t>
-            </a:r>
-            <a:endParaRPr lang="en-US" sz="2000" dirty="0" smtClean="0">
-              <a:cs typeface="+mn-cs"/>
-            </a:endParaRPr>
+              <a:t>phase 1: make it possible, phase 2: stop users abusing it!</a:t>
+            </a:r>
           </a:p>
         </p:txBody>
       </p:sp>
@@ -13641,13 +13374,7 @@
               <a:rPr lang="en-US" sz="3600" dirty="0" smtClean="0">
                 <a:cs typeface="+mj-cs"/>
               </a:rPr>
-              <a:t>A </a:t>
-            </a:r>
-            <a:r>
-              <a:rPr lang="en-US" sz="3600" dirty="0" smtClean="0">
-                <a:cs typeface="+mj-cs"/>
-              </a:rPr>
-              <a:t>good bandwidth-sharing system?</a:t>
+              <a:t>A good bandwidth-sharing system?</a:t>
             </a:r>
           </a:p>
         </p:txBody>
@@ -13696,17 +13423,29 @@
               <a:rPr lang="en-US" sz="2400" dirty="0" smtClean="0">
                 <a:cs typeface="+mn-cs"/>
               </a:rPr>
-              <a:t>et up circuits automatically, but only where needed</a:t>
-            </a:r>
-          </a:p>
-          <a:p>
-            <a:pPr lvl="1" eaLnBrk="1" hangingPunct="1">
-              <a:defRPr/>
-            </a:pPr>
+              <a:t>et up </a:t>
+            </a:r>
             <a:r>
               <a:rPr lang="en-US" sz="2400" dirty="0" smtClean="0">
                 <a:cs typeface="+mn-cs"/>
               </a:rPr>
+              <a:t>‘circuits’ </a:t>
+            </a:r>
+            <a:r>
+              <a:rPr lang="en-US" sz="2400" dirty="0" smtClean="0">
+                <a:cs typeface="+mn-cs"/>
+              </a:rPr>
+              <a:t>automatically, but only where needed</a:t>
+            </a:r>
+          </a:p>
+          <a:p>
+            <a:pPr lvl="1" eaLnBrk="1" hangingPunct="1">
+              <a:defRPr/>
+            </a:pPr>
+            <a:r>
+              <a:rPr lang="en-US" sz="2400" dirty="0" smtClean="0">
+                <a:cs typeface="+mn-cs"/>
+              </a:rPr>
               <a:t>Participation not mandatory (casual or low-load users)</a:t>
             </a:r>
           </a:p>
@@ -13718,13 +13457,40 @@
               <a:rPr lang="en-US" sz="2800" dirty="0" smtClean="0">
                 <a:cs typeface="+mn-cs"/>
               </a:rPr>
-              <a:t>Elastic</a:t>
-            </a:r>
+              <a:t>Elastic, responsive</a:t>
+            </a:r>
+          </a:p>
+          <a:p>
+            <a:pPr lvl="1" eaLnBrk="1" hangingPunct="1">
+              <a:defRPr/>
+            </a:pPr>
+            <a:r>
+              <a:rPr lang="en-US" sz="2400" dirty="0" smtClean="0">
+                <a:cs typeface="+mn-cs"/>
+              </a:rPr>
+              <a:t>Shares can grow and shrink over time</a:t>
+            </a:r>
+          </a:p>
+          <a:p>
+            <a:pPr lvl="1" eaLnBrk="1" hangingPunct="1">
+              <a:defRPr/>
+            </a:pPr>
+            <a:r>
+              <a:rPr lang="en-US" sz="2400" dirty="0" smtClean="0">
+                <a:cs typeface="+mn-cs"/>
+              </a:rPr>
+              <a:t>Change on timescale of ~1 hour to follow needs</a:t>
+            </a:r>
+          </a:p>
+          <a:p>
+            <a:pPr eaLnBrk="1" hangingPunct="1">
+              <a:defRPr/>
+            </a:pPr>
             <a:r>
               <a:rPr lang="en-US" sz="2800" dirty="0" smtClean="0">
                 <a:cs typeface="+mn-cs"/>
               </a:rPr>
-              <a:t>, responsive</a:t>
+              <a:t>Efficient, fair</a:t>
             </a:r>
           </a:p>
           <a:p>
@@ -13735,7 +13501,7 @@
               <a:rPr lang="en-US" sz="2400" dirty="0" smtClean="0">
                 <a:cs typeface="+mn-cs"/>
               </a:rPr>
-              <a:t>Shares can grow and shrink over time</a:t>
+              <a:t>Allows maximal use of bandwidth at all times</a:t>
             </a:r>
           </a:p>
           <a:p>
@@ -13746,43 +13512,19 @@
               <a:rPr lang="en-US" sz="2400" dirty="0" smtClean="0">
                 <a:cs typeface="+mn-cs"/>
               </a:rPr>
-              <a:t>Change on timescale of ~1 hour to follow needs</a:t>
-            </a:r>
-          </a:p>
-          <a:p>
-            <a:pPr eaLnBrk="1" hangingPunct="1">
-              <a:defRPr/>
-            </a:pPr>
-            <a:r>
-              <a:rPr lang="en-US" sz="2800" dirty="0" smtClean="0">
-                <a:cs typeface="+mn-cs"/>
-              </a:rPr>
-              <a:t>Efficient, fair</a:t>
-            </a:r>
-            <a:endParaRPr lang="en-US" sz="2800" dirty="0" smtClean="0">
-              <a:cs typeface="+mn-cs"/>
-            </a:endParaRPr>
-          </a:p>
-          <a:p>
-            <a:pPr lvl="1" eaLnBrk="1" hangingPunct="1">
-              <a:defRPr/>
-            </a:pPr>
+              <a:t>Short-term </a:t>
+            </a:r>
             <a:r>
               <a:rPr lang="en-US" sz="2400" dirty="0" smtClean="0">
                 <a:cs typeface="+mn-cs"/>
               </a:rPr>
-              <a:t>Allows maximal use of bandwidth at all times</a:t>
-            </a:r>
-          </a:p>
-          <a:p>
-            <a:pPr lvl="1" eaLnBrk="1" hangingPunct="1">
-              <a:defRPr/>
-            </a:pPr>
+              <a:t>&amp; long</a:t>
+            </a:r>
             <a:r>
               <a:rPr lang="en-US" sz="2400" dirty="0" smtClean="0">
                 <a:cs typeface="+mn-cs"/>
               </a:rPr>
-              <a:t>Short-term &amp;long-term: no starvation, no hogging</a:t>
+              <a:t>-term: no starvation, no hogging</a:t>
             </a:r>
           </a:p>
           <a:p>
@@ -13795,9 +13537,6 @@
               </a:rPr>
               <a:t>Fixed quotas</a:t>
             </a:r>
-            <a:endParaRPr lang="en-US" sz="2800" strike="sngStrike" dirty="0" smtClean="0">
-              <a:cs typeface="+mn-cs"/>
-            </a:endParaRPr>
           </a:p>
         </p:txBody>
       </p:sp>
@@ -13954,23 +13693,8 @@
               <a:rPr lang="en-US" sz="2800" dirty="0" smtClean="0">
                 <a:cs typeface="+mn-cs"/>
               </a:rPr>
-              <a:t>To </a:t>
-            </a:r>
-            <a:r>
-              <a:rPr lang="en-US" sz="2800" dirty="0" smtClean="0">
-                <a:cs typeface="+mn-cs"/>
-              </a:rPr>
-              <a:t>resolve over-</a:t>
-            </a:r>
-            <a:r>
-              <a:rPr lang="en-US" sz="2800" dirty="0" smtClean="0">
-                <a:cs typeface="+mn-cs"/>
-              </a:rPr>
-              <a:t>subscription, quickly &amp; fairly</a:t>
-            </a:r>
-            <a:endParaRPr lang="en-US" sz="2800" dirty="0" smtClean="0">
-              <a:cs typeface="+mn-cs"/>
-            </a:endParaRPr>
+              <a:t>To resolve over-subscription, quickly &amp; fairly</a:t>
+            </a:r>
           </a:p>
           <a:p>
             <a:pPr eaLnBrk="1" hangingPunct="1">
@@ -14145,7 +13869,9 @@
           <a:bodyPr/>
           <a:lstStyle/>
           <a:p>
-            <a:pPr eaLnBrk="1" hangingPunct="1">
+            <a:pPr marL="514350" indent="-514350" eaLnBrk="1" hangingPunct="1">
+              <a:buFont typeface="+mj-lt"/>
+              <a:buAutoNum type="arabicPeriod"/>
               <a:defRPr/>
             </a:pPr>
             <a:r>
@@ -14172,7 +13898,9 @@
             </a:r>
           </a:p>
           <a:p>
-            <a:pPr eaLnBrk="1" hangingPunct="1">
+            <a:pPr marL="514350" indent="-514350" eaLnBrk="1" hangingPunct="1">
+              <a:buFont typeface="+mj-lt"/>
+              <a:buAutoNum type="arabicPeriod"/>
               <a:defRPr/>
             </a:pPr>
             <a:r>
@@ -14185,38 +13913,50 @@
               <a:rPr lang="en-US" sz="2800" dirty="0" smtClean="0">
                 <a:cs typeface="+mn-cs"/>
               </a:rPr>
-              <a:t>idders have fixed budget (varies per bidder)</a:t>
-            </a:r>
-          </a:p>
-          <a:p>
-            <a:pPr marL="342900" lvl="1" indent="-342900" eaLnBrk="1" hangingPunct="1">
-              <a:buFontTx/>
-              <a:buChar char="•"/>
-              <a:defRPr/>
-            </a:pPr>
+              <a:t>idders have fixed budget (varies per bidder</a:t>
+            </a:r>
             <a:r>
               <a:rPr lang="en-US" sz="2800" dirty="0" smtClean="0">
                 <a:cs typeface="+mn-cs"/>
               </a:rPr>
-              <a:t>Bidders specify a quantit</a:t>
+              <a:t>)</a:t>
+            </a:r>
+          </a:p>
+          <a:p>
+            <a:pPr marL="514350" indent="-514350" eaLnBrk="1" hangingPunct="1">
+              <a:buFont typeface="+mj-lt"/>
+              <a:buAutoNum type="arabicPeriod"/>
+              <a:defRPr/>
+            </a:pPr>
+            <a:r>
+              <a:rPr lang="en-US" sz="2800" dirty="0" smtClean="0">
+                <a:cs typeface="+mn-cs"/>
+              </a:rPr>
+              <a:t>Bidders specify quantit</a:t>
             </a:r>
             <a:r>
               <a:rPr lang="en-US" dirty="0" smtClean="0">
                 <a:cs typeface="+mn-cs"/>
               </a:rPr>
-              <a:t>y and</a:t>
+              <a:t>y &amp;</a:t>
             </a:r>
             <a:r>
               <a:rPr lang="en-US" sz="2800" dirty="0" smtClean="0">
                 <a:cs typeface="+mn-cs"/>
               </a:rPr>
-              <a:t> a un</a:t>
+              <a:t> un</a:t>
             </a:r>
             <a:r>
               <a:rPr lang="en-US" dirty="0" smtClean="0">
                 <a:cs typeface="+mn-cs"/>
               </a:rPr>
-              <a:t>it-price:</a:t>
+              <a:t>it</a:t>
+            </a:r>
+            <a:r>
+              <a:rPr lang="en-US" dirty="0" smtClean="0">
+                <a:cs typeface="+mn-cs"/>
+              </a:rPr>
+              <a:t>-price:</a:t>
             </a:r>
             <a:r>
               <a:rPr lang="en-US" b="1" dirty="0" smtClean="0">
@@ -14252,14 +13992,14 @@
               <a:rPr lang="en-US" dirty="0" smtClean="0"/>
               <a:t>)</a:t>
             </a:r>
-            <a:endParaRPr lang="en-US" sz="2400" dirty="0" smtClean="0">
+            <a:endParaRPr lang="en-US" sz="2400" dirty="0">
               <a:cs typeface="+mn-cs"/>
             </a:endParaRPr>
           </a:p>
           <a:p>
-            <a:pPr marL="342900" lvl="1" indent="-342900" eaLnBrk="1" hangingPunct="1">
-              <a:buFontTx/>
-              <a:buChar char="•"/>
+            <a:pPr marL="514350" indent="-514350" eaLnBrk="1" hangingPunct="1">
+              <a:buFont typeface="+mj-lt"/>
+              <a:buAutoNum type="arabicPeriod"/>
               <a:defRPr/>
             </a:pPr>
             <a:r>
@@ -14272,7 +14012,13 @@
               <a:rPr lang="en-US" sz="2800" dirty="0" smtClean="0">
                 <a:cs typeface="+mn-cs"/>
               </a:rPr>
-              <a:t> calculates allocation &amp; total cos</a:t>
+              <a:t> </a:t>
+            </a:r>
+            <a:r>
+              <a:rPr lang="en-US" sz="2800" dirty="0" smtClean="0">
+                <a:cs typeface="+mn-cs"/>
+              </a:rPr>
+              <a:t>calculates allocation &amp; total cos</a:t>
             </a:r>
             <a:r>
               <a:rPr lang="en-US" dirty="0" smtClean="0">
@@ -14308,62 +14054,113 @@
               <a:rPr lang="en-US" dirty="0" smtClean="0"/>
               <a:t>)</a:t>
             </a:r>
-            <a:endParaRPr lang="en-US" sz="2400" dirty="0" smtClean="0">
+            <a:endParaRPr lang="en-US" sz="2400" dirty="0">
               <a:cs typeface="+mn-cs"/>
             </a:endParaRPr>
           </a:p>
           <a:p>
-            <a:pPr eaLnBrk="1" hangingPunct="1">
+            <a:pPr marL="514350" indent="-514350" eaLnBrk="1" hangingPunct="1">
+              <a:buFont typeface="+mj-lt"/>
+              <a:buAutoNum type="arabicPeriod"/>
               <a:defRPr/>
             </a:pPr>
             <a:r>
               <a:rPr lang="en-US" sz="2800" dirty="0" smtClean="0">
                 <a:cs typeface="+mn-cs"/>
               </a:rPr>
-              <a:t>PSP sends all allocations/costs to all bidders</a:t>
-            </a:r>
-          </a:p>
-          <a:p>
-            <a:pPr eaLnBrk="1" hangingPunct="1">
-              <a:defRPr/>
-            </a:pPr>
+              <a:t>PSP </a:t>
+            </a:r>
             <a:r>
               <a:rPr lang="en-US" sz="2800" dirty="0" smtClean="0">
                 <a:cs typeface="+mn-cs"/>
               </a:rPr>
-              <a:t>Bidders revise their bids, submit them again</a:t>
-            </a:r>
-          </a:p>
-          <a:p>
-            <a:pPr eaLnBrk="1" hangingPunct="1">
-              <a:defRPr/>
-            </a:pPr>
+              <a:t>sends all allocations/costs to all </a:t>
+            </a:r>
             <a:r>
               <a:rPr lang="en-US" sz="2800" dirty="0" smtClean="0">
                 <a:cs typeface="+mn-cs"/>
               </a:rPr>
-              <a:t>Repeat until convergence</a:t>
-            </a:r>
-          </a:p>
-          <a:p>
-            <a:pPr eaLnBrk="1" hangingPunct="1">
+              <a:t>bidders</a:t>
+            </a:r>
+          </a:p>
+          <a:p>
+            <a:pPr marL="514350" indent="-514350" eaLnBrk="1" hangingPunct="1">
+              <a:buFont typeface="+mj-lt"/>
+              <a:buAutoNum type="arabicPeriod"/>
               <a:defRPr/>
             </a:pPr>
             <a:r>
               <a:rPr lang="en-US" sz="2800" dirty="0" smtClean="0">
                 <a:cs typeface="+mn-cs"/>
               </a:rPr>
-              <a:t>Convergence guaranteed for rational </a:t>
+              <a:t>Bidders </a:t>
             </a:r>
             <a:r>
               <a:rPr lang="en-US" sz="2800" dirty="0" smtClean="0">
                 <a:cs typeface="+mn-cs"/>
               </a:rPr>
-              <a:t>bidders</a:t>
-            </a:r>
+              <a:t>revise their bids, submit them </a:t>
+            </a:r>
+            <a:r>
+              <a:rPr lang="en-US" sz="2800" dirty="0" smtClean="0">
+                <a:cs typeface="+mn-cs"/>
+              </a:rPr>
+              <a:t>again</a:t>
+            </a:r>
+          </a:p>
+          <a:p>
+            <a:pPr marL="514350" indent="-514350" eaLnBrk="1" hangingPunct="1">
+              <a:buFont typeface="+mj-lt"/>
+              <a:buAutoNum type="arabicPeriod"/>
+              <a:defRPr/>
+            </a:pPr>
+            <a:r>
+              <a:rPr lang="en-US" sz="2800" dirty="0" smtClean="0">
+                <a:cs typeface="+mn-cs"/>
+              </a:rPr>
+              <a:t>Repeat </a:t>
+            </a:r>
+            <a:r>
+              <a:rPr lang="en-US" sz="2800" dirty="0" smtClean="0">
+                <a:cs typeface="+mn-cs"/>
+              </a:rPr>
+              <a:t>until </a:t>
+            </a:r>
+            <a:r>
+              <a:rPr lang="en-US" sz="2800" dirty="0" smtClean="0">
+                <a:cs typeface="+mn-cs"/>
+              </a:rPr>
+              <a:t>3-6 until convergence</a:t>
+            </a:r>
+          </a:p>
+          <a:p>
+            <a:pPr marL="514350" indent="-514350" eaLnBrk="1" hangingPunct="1">
+              <a:buFont typeface="+mj-lt"/>
+              <a:buAutoNum type="arabicPeriod"/>
+              <a:defRPr/>
+            </a:pPr>
             <a:endParaRPr lang="en-US" sz="2800" dirty="0" smtClean="0">
               <a:cs typeface="+mn-cs"/>
             </a:endParaRPr>
+          </a:p>
+          <a:p>
+            <a:pPr eaLnBrk="1" hangingPunct="1">
+              <a:buFont typeface="Arial"/>
+              <a:buChar char="•"/>
+              <a:defRPr/>
+            </a:pPr>
+            <a:r>
+              <a:rPr lang="en-US" sz="2800" dirty="0" smtClean="0">
+                <a:cs typeface="+mn-cs"/>
+              </a:rPr>
+              <a:t>Convergence </a:t>
+            </a:r>
+            <a:r>
+              <a:rPr lang="en-US" sz="2800" dirty="0" smtClean="0">
+                <a:cs typeface="+mn-cs"/>
+              </a:rPr>
+              <a:t>guaranteed for rational bidders</a:t>
+            </a:r>
           </a:p>
         </p:txBody>
       </p:sp>
